--- a/docs/ev_diagonostic_tool.pptx
+++ b/docs/ev_diagonostic_tool.pptx
@@ -125,7 +125,7 @@
 <p1510:revInfo xmlns:a="http://schemas.openxmlformats.org/drawingml/2006/main" xmlns:r="http://schemas.openxmlformats.org/officeDocument/2006/relationships" xmlns:p1510="http://schemas.microsoft.com/office/powerpoint/2015/10/main">
   <p1510:revLst>
     <p1510:client id="{09ED8F2B-DE63-43E6-BA50-3458F5A152BF}" v="156" dt="2025-08-31T17:36:29.109"/>
-    <p1510:client id="{8BDFB37B-F980-410A-BDFD-93D0990CAE95}" v="1" dt="2025-09-01T12:25:39.735"/>
+    <p1510:client id="{8BDFB37B-F980-410A-BDFD-93D0990CAE95}" v="2" dt="2025-09-01T12:33:33.362"/>
   </p1510:revLst>
 </p1510:revInfo>
 </file>
@@ -135,7 +135,7 @@
   <pc:docChgLst>
     <pc:chgData name="Suryagnik Roy" userId="b77717b65e67a0f0" providerId="LiveId" clId="{D6A7BFCF-3691-48A4-BDEB-EA4D4AFED0E3}"/>
     <pc:docChg chg="custSel modSld">
-      <pc:chgData name="Suryagnik Roy" userId="b77717b65e67a0f0" providerId="LiveId" clId="{D6A7BFCF-3691-48A4-BDEB-EA4D4AFED0E3}" dt="2025-09-01T12:25:44.550" v="3" actId="1076"/>
+      <pc:chgData name="Suryagnik Roy" userId="b77717b65e67a0f0" providerId="LiveId" clId="{D6A7BFCF-3691-48A4-BDEB-EA4D4AFED0E3}" dt="2025-09-01T12:33:39.760" v="8" actId="14100"/>
       <pc:docMkLst>
         <pc:docMk/>
       </pc:docMkLst>
@@ -159,6 +159,29 @@
             <pc:docMk/>
             <pc:sldMk cId="555176725" sldId="260"/>
             <ac:picMk id="6" creationId="{2B144822-6D0C-B04E-C74A-0C65CEC2FFE9}"/>
+          </ac:picMkLst>
+        </pc:picChg>
+      </pc:sldChg>
+      <pc:sldChg chg="addSp delSp modSp mod">
+        <pc:chgData name="Suryagnik Roy" userId="b77717b65e67a0f0" providerId="LiveId" clId="{D6A7BFCF-3691-48A4-BDEB-EA4D4AFED0E3}" dt="2025-09-01T12:33:39.760" v="8" actId="14100"/>
+        <pc:sldMkLst>
+          <pc:docMk/>
+          <pc:sldMk cId="2560949696" sldId="261"/>
+        </pc:sldMkLst>
+        <pc:picChg chg="del">
+          <ac:chgData name="Suryagnik Roy" userId="b77717b65e67a0f0" providerId="LiveId" clId="{D6A7BFCF-3691-48A4-BDEB-EA4D4AFED0E3}" dt="2025-09-01T12:33:31.582" v="4" actId="478"/>
+          <ac:picMkLst>
+            <pc:docMk/>
+            <pc:sldMk cId="2560949696" sldId="261"/>
+            <ac:picMk id="3" creationId="{9DBE77F3-57ED-3F9F-EF38-5CD48F609115}"/>
+          </ac:picMkLst>
+        </pc:picChg>
+        <pc:picChg chg="add mod">
+          <ac:chgData name="Suryagnik Roy" userId="b77717b65e67a0f0" providerId="LiveId" clId="{D6A7BFCF-3691-48A4-BDEB-EA4D4AFED0E3}" dt="2025-09-01T12:33:39.760" v="8" actId="14100"/>
+          <ac:picMkLst>
+            <pc:docMk/>
+            <pc:sldMk cId="2560949696" sldId="261"/>
+            <ac:picMk id="6" creationId="{DB8FC688-873D-4593-EEA8-67D0A8101DB5}"/>
           </ac:picMkLst>
         </pc:picChg>
       </pc:sldChg>
@@ -10733,10 +10756,10 @@
       </p:sp>
       <p:pic>
         <p:nvPicPr>
-          <p:cNvPr id="3" name="Picture 2">
+          <p:cNvPr id="6" name="Picture 5">
             <a:extLst>
               <a:ext uri="{FF2B5EF4-FFF2-40B4-BE49-F238E27FC236}">
-                <a16:creationId xmlns:a16="http://schemas.microsoft.com/office/drawing/2014/main" id="{9DBE77F3-57ED-3F9F-EF38-5CD48F609115}"/>
+                <a16:creationId xmlns:a16="http://schemas.microsoft.com/office/drawing/2014/main" id="{DB8FC688-873D-4593-EEA8-67D0A8101DB5}"/>
               </a:ext>
             </a:extLst>
           </p:cNvPr>
@@ -10759,8 +10782,8 @@
         </p:blipFill>
         <p:spPr>
           <a:xfrm>
-            <a:off x="4453830" y="865238"/>
-            <a:ext cx="3284339" cy="5649997"/>
+            <a:off x="3544529" y="1002890"/>
+            <a:ext cx="3633019" cy="5449529"/>
           </a:xfrm>
           <a:prstGeom prst="rect">
             <a:avLst/>

--- a/docs/ev_diagonostic_tool.pptx
+++ b/docs/ev_diagonostic_tool.pptx
@@ -125,7 +125,7 @@
 <p1510:revInfo xmlns:a="http://schemas.openxmlformats.org/drawingml/2006/main" xmlns:r="http://schemas.openxmlformats.org/officeDocument/2006/relationships" xmlns:p1510="http://schemas.microsoft.com/office/powerpoint/2015/10/main">
   <p1510:revLst>
     <p1510:client id="{09ED8F2B-DE63-43E6-BA50-3458F5A152BF}" v="156" dt="2025-08-31T17:36:29.109"/>
-    <p1510:client id="{8BDFB37B-F980-410A-BDFD-93D0990CAE95}" v="2" dt="2025-09-01T12:33:33.362"/>
+    <p1510:client id="{8BDFB37B-F980-410A-BDFD-93D0990CAE95}" v="5" dt="2025-09-01T13:53:44.022"/>
   </p1510:revLst>
 </p1510:revInfo>
 </file>
@@ -135,7 +135,7 @@
   <pc:docChgLst>
     <pc:chgData name="Suryagnik Roy" userId="b77717b65e67a0f0" providerId="LiveId" clId="{D6A7BFCF-3691-48A4-BDEB-EA4D4AFED0E3}"/>
     <pc:docChg chg="custSel modSld">
-      <pc:chgData name="Suryagnik Roy" userId="b77717b65e67a0f0" providerId="LiveId" clId="{D6A7BFCF-3691-48A4-BDEB-EA4D4AFED0E3}" dt="2025-09-01T12:33:39.760" v="8" actId="14100"/>
+      <pc:chgData name="Suryagnik Roy" userId="b77717b65e67a0f0" providerId="LiveId" clId="{D6A7BFCF-3691-48A4-BDEB-EA4D4AFED0E3}" dt="2025-09-01T13:53:57.978" v="57" actId="20577"/>
       <pc:docMkLst>
         <pc:docMk/>
       </pc:docMkLst>
@@ -184,6 +184,21 @@
             <ac:picMk id="6" creationId="{DB8FC688-873D-4593-EEA8-67D0A8101DB5}"/>
           </ac:picMkLst>
         </pc:picChg>
+      </pc:sldChg>
+      <pc:sldChg chg="modSp mod">
+        <pc:chgData name="Suryagnik Roy" userId="b77717b65e67a0f0" providerId="LiveId" clId="{D6A7BFCF-3691-48A4-BDEB-EA4D4AFED0E3}" dt="2025-09-01T13:53:57.978" v="57" actId="20577"/>
+        <pc:sldMkLst>
+          <pc:docMk/>
+          <pc:sldMk cId="1133120857" sldId="264"/>
+        </pc:sldMkLst>
+        <pc:spChg chg="mod">
+          <ac:chgData name="Suryagnik Roy" userId="b77717b65e67a0f0" providerId="LiveId" clId="{D6A7BFCF-3691-48A4-BDEB-EA4D4AFED0E3}" dt="2025-09-01T13:53:57.978" v="57" actId="20577"/>
+          <ac:spMkLst>
+            <pc:docMk/>
+            <pc:sldMk cId="1133120857" sldId="264"/>
+            <ac:spMk id="6" creationId="{F06109FE-A42D-4CE2-82D1-C085099EE3EE}"/>
+          </ac:spMkLst>
+        </pc:spChg>
       </pc:sldChg>
       <pc:sldChg chg="modSp mod">
         <pc:chgData name="Suryagnik Roy" userId="b77717b65e67a0f0" providerId="LiveId" clId="{D6A7BFCF-3691-48A4-BDEB-EA4D4AFED0E3}" dt="2025-09-01T12:09:36.123" v="0" actId="20577"/>
@@ -8071,8 +8086,24 @@
                 </a:solidFill>
                 <a:latin typeface="Consolas" panose="020B0609020204030204" pitchFamily="49" charset="0"/>
               </a:rPr>
-              <a:t>GitHub repo : https://github.com/Suryagnik414/evision-ev-diagnostic-tool</a:t>
-            </a:r>
+              <a:t>GitHub repo : </a:t>
+            </a:r>
+            <a:r>
+              <a:rPr lang="en-IN" dirty="0">
+                <a:solidFill>
+                  <a:schemeClr val="bg1"/>
+                </a:solidFill>
+                <a:latin typeface="Consolas" panose="020B0609020204030204" pitchFamily="49" charset="0"/>
+                <a:hlinkClick r:id="rId3"/>
+              </a:rPr>
+              <a:t>https://github.com/Suryagnik414/evision-ev-diagnostic-tool</a:t>
+            </a:r>
+            <a:endParaRPr lang="en-IN" dirty="0">
+              <a:solidFill>
+                <a:schemeClr val="bg1"/>
+              </a:solidFill>
+              <a:latin typeface="Consolas" panose="020B0609020204030204" pitchFamily="49" charset="0"/>
+            </a:endParaRPr>
           </a:p>
           <a:p>
             <a:pPr marL="285750" indent="-285750">
@@ -8090,8 +8121,24 @@
                 </a:solidFill>
                 <a:latin typeface="Consolas" panose="020B0609020204030204" pitchFamily="49" charset="0"/>
               </a:rPr>
-              <a:t>demo YouTube video :</a:t>
-            </a:r>
+              <a:t>Prototype : </a:t>
+            </a:r>
+            <a:r>
+              <a:rPr lang="en-IN" dirty="0">
+                <a:solidFill>
+                  <a:schemeClr val="bg1"/>
+                </a:solidFill>
+                <a:latin typeface="Consolas" panose="020B0609020204030204" pitchFamily="49" charset="0"/>
+                <a:hlinkClick r:id="rId4"/>
+              </a:rPr>
+              <a:t>https://wokwi.com/projects/440894629608796161</a:t>
+            </a:r>
+            <a:endParaRPr lang="en-IN" dirty="0">
+              <a:solidFill>
+                <a:schemeClr val="bg1"/>
+              </a:solidFill>
+              <a:latin typeface="Consolas" panose="020B0609020204030204" pitchFamily="49" charset="0"/>
+            </a:endParaRPr>
           </a:p>
           <a:p>
             <a:pPr marL="285750" indent="-285750">
@@ -8109,9 +8156,18 @@
                 </a:solidFill>
                 <a:latin typeface="Consolas" panose="020B0609020204030204" pitchFamily="49" charset="0"/>
               </a:rPr>
-              <a:t>Project demo : https://wokwi.com/projects/440881725141144577</a:t>
-            </a:r>
-            <a:endParaRPr lang="en-US" dirty="0">
+              <a:t>Demo video : shared on </a:t>
+            </a:r>
+            <a:r>
+              <a:rPr lang="en-IN" dirty="0" err="1">
+                <a:solidFill>
+                  <a:schemeClr val="bg1"/>
+                </a:solidFill>
+                <a:latin typeface="Consolas" panose="020B0609020204030204" pitchFamily="49" charset="0"/>
+              </a:rPr>
+              <a:t>github</a:t>
+            </a:r>
+            <a:endParaRPr lang="en-IN" dirty="0">
               <a:solidFill>
                 <a:schemeClr val="bg1"/>
               </a:solidFill>

--- a/docs/ev_diagonostic_tool.pptx
+++ b/docs/ev_diagonostic_tool.pptx
@@ -125,7 +125,7 @@
 <p1510:revInfo xmlns:a="http://schemas.openxmlformats.org/drawingml/2006/main" xmlns:r="http://schemas.openxmlformats.org/officeDocument/2006/relationships" xmlns:p1510="http://schemas.microsoft.com/office/powerpoint/2015/10/main">
   <p1510:revLst>
     <p1510:client id="{09ED8F2B-DE63-43E6-BA50-3458F5A152BF}" v="156" dt="2025-08-31T17:36:29.109"/>
-    <p1510:client id="{8BDFB37B-F980-410A-BDFD-93D0990CAE95}" v="5" dt="2025-09-01T13:53:44.022"/>
+    <p1510:client id="{8BDFB37B-F980-410A-BDFD-93D0990CAE95}" v="7" dt="2025-09-01T14:08:00.925"/>
   </p1510:revLst>
 </p1510:revInfo>
 </file>
@@ -135,7 +135,7 @@
   <pc:docChgLst>
     <pc:chgData name="Suryagnik Roy" userId="b77717b65e67a0f0" providerId="LiveId" clId="{D6A7BFCF-3691-48A4-BDEB-EA4D4AFED0E3}"/>
     <pc:docChg chg="custSel modSld">
-      <pc:chgData name="Suryagnik Roy" userId="b77717b65e67a0f0" providerId="LiveId" clId="{D6A7BFCF-3691-48A4-BDEB-EA4D4AFED0E3}" dt="2025-09-01T13:53:57.978" v="57" actId="20577"/>
+      <pc:chgData name="Suryagnik Roy" userId="b77717b65e67a0f0" providerId="LiveId" clId="{D6A7BFCF-3691-48A4-BDEB-EA4D4AFED0E3}" dt="2025-09-01T14:08:33.147" v="131" actId="20577"/>
       <pc:docMkLst>
         <pc:docMk/>
       </pc:docMkLst>
@@ -186,13 +186,13 @@
         </pc:picChg>
       </pc:sldChg>
       <pc:sldChg chg="modSp mod">
-        <pc:chgData name="Suryagnik Roy" userId="b77717b65e67a0f0" providerId="LiveId" clId="{D6A7BFCF-3691-48A4-BDEB-EA4D4AFED0E3}" dt="2025-09-01T13:53:57.978" v="57" actId="20577"/>
+        <pc:chgData name="Suryagnik Roy" userId="b77717b65e67a0f0" providerId="LiveId" clId="{D6A7BFCF-3691-48A4-BDEB-EA4D4AFED0E3}" dt="2025-09-01T14:08:33.147" v="131" actId="20577"/>
         <pc:sldMkLst>
           <pc:docMk/>
           <pc:sldMk cId="1133120857" sldId="264"/>
         </pc:sldMkLst>
         <pc:spChg chg="mod">
-          <ac:chgData name="Suryagnik Roy" userId="b77717b65e67a0f0" providerId="LiveId" clId="{D6A7BFCF-3691-48A4-BDEB-EA4D4AFED0E3}" dt="2025-09-01T13:53:57.978" v="57" actId="20577"/>
+          <ac:chgData name="Suryagnik Roy" userId="b77717b65e67a0f0" providerId="LiveId" clId="{D6A7BFCF-3691-48A4-BDEB-EA4D4AFED0E3}" dt="2025-09-01T14:08:33.147" v="131" actId="20577"/>
           <ac:spMkLst>
             <pc:docMk/>
             <pc:sldMk cId="1133120857" sldId="264"/>
@@ -7855,7 +7855,7 @@
         <p:spPr>
           <a:xfrm>
             <a:off x="914688" y="1300754"/>
-            <a:ext cx="9920460" cy="5033814"/>
+            <a:ext cx="9920460" cy="5449312"/>
           </a:xfrm>
           <a:prstGeom prst="rect">
             <a:avLst/>
@@ -8156,10 +8156,45 @@
                 </a:solidFill>
                 <a:latin typeface="Consolas" panose="020B0609020204030204" pitchFamily="49" charset="0"/>
               </a:rPr>
-              <a:t>Demo video : shared on </a:t>
-            </a:r>
-            <a:r>
-              <a:rPr lang="en-IN" dirty="0" err="1">
+              <a:t>Demo video on prototype : </a:t>
+            </a:r>
+            <a:r>
+              <a:rPr lang="en-IN" dirty="0">
+                <a:solidFill>
+                  <a:schemeClr val="bg1"/>
+                </a:solidFill>
+                <a:latin typeface="Consolas" panose="020B0609020204030204" pitchFamily="49" charset="0"/>
+                <a:hlinkClick r:id="rId5"/>
+              </a:rPr>
+              <a:t>https://youtu.be/JreFqKJ2MZE?si=ttxcJ0dFnNfuFVFQ</a:t>
+            </a:r>
+            <a:endParaRPr lang="en-IN" dirty="0">
+              <a:solidFill>
+                <a:schemeClr val="bg1"/>
+              </a:solidFill>
+              <a:latin typeface="Consolas" panose="020B0609020204030204" pitchFamily="49" charset="0"/>
+            </a:endParaRPr>
+          </a:p>
+          <a:p>
+            <a:pPr marL="285750" indent="-285750">
+              <a:lnSpc>
+                <a:spcPct val="150000"/>
+              </a:lnSpc>
+              <a:buSzPct val="70000"/>
+              <a:buFont typeface="Wingdings" panose="05000000000000000000" pitchFamily="2" charset="2"/>
+              <a:buChar char="v"/>
+            </a:pPr>
+            <a:r>
+              <a:rPr lang="en-IN" dirty="0">
+                <a:solidFill>
+                  <a:schemeClr val="bg1"/>
+                </a:solidFill>
+                <a:latin typeface="Consolas" panose="020B0609020204030204" pitchFamily="49" charset="0"/>
+              </a:rPr>
+              <a:t>Demo video on ppt : shared on </a:t>
+            </a:r>
+            <a:r>
+              <a:rPr lang="en-IN">
                 <a:solidFill>
                   <a:schemeClr val="bg1"/>
                 </a:solidFill>
